--- a/컴그_기말프로젝트_제안서.pptx
+++ b/컴그_기말프로젝트_제안서.pptx
@@ -10,6 +10,7 @@
     <p:sldId id="258" r:id="rId4"/>
     <p:sldId id="261" r:id="rId5"/>
     <p:sldId id="260" r:id="rId6"/>
+    <p:sldId id="262" r:id="rId7"/>
   </p:sldIdLst>
   <p:sldSz cx="6858000" cy="9906000" type="A4"/>
   <p:notesSz cx="6858000" cy="9144000"/>
@@ -305,7 +306,7 @@
           <a:p>
             <a:fld id="{0D3542A0-33A5-4E90-8AE8-FABE2CE02591}" type="datetimeFigureOut">
               <a:rPr lang="ko-KR" altLang="en-US" smtClean="0"/>
-              <a:t>2017-11-22</a:t>
+              <a:t>2017-12-16</a:t>
             </a:fld>
             <a:endParaRPr lang="ko-KR" altLang="en-US"/>
           </a:p>
@@ -475,7 +476,7 @@
           <a:p>
             <a:fld id="{0D3542A0-33A5-4E90-8AE8-FABE2CE02591}" type="datetimeFigureOut">
               <a:rPr lang="ko-KR" altLang="en-US" smtClean="0"/>
-              <a:t>2017-11-22</a:t>
+              <a:t>2017-12-16</a:t>
             </a:fld>
             <a:endParaRPr lang="ko-KR" altLang="en-US"/>
           </a:p>
@@ -655,7 +656,7 @@
           <a:p>
             <a:fld id="{0D3542A0-33A5-4E90-8AE8-FABE2CE02591}" type="datetimeFigureOut">
               <a:rPr lang="ko-KR" altLang="en-US" smtClean="0"/>
-              <a:t>2017-11-22</a:t>
+              <a:t>2017-12-16</a:t>
             </a:fld>
             <a:endParaRPr lang="ko-KR" altLang="en-US"/>
           </a:p>
@@ -825,7 +826,7 @@
           <a:p>
             <a:fld id="{0D3542A0-33A5-4E90-8AE8-FABE2CE02591}" type="datetimeFigureOut">
               <a:rPr lang="ko-KR" altLang="en-US" smtClean="0"/>
-              <a:t>2017-11-22</a:t>
+              <a:t>2017-12-16</a:t>
             </a:fld>
             <a:endParaRPr lang="ko-KR" altLang="en-US"/>
           </a:p>
@@ -1069,7 +1070,7 @@
           <a:p>
             <a:fld id="{0D3542A0-33A5-4E90-8AE8-FABE2CE02591}" type="datetimeFigureOut">
               <a:rPr lang="ko-KR" altLang="en-US" smtClean="0"/>
-              <a:t>2017-11-22</a:t>
+              <a:t>2017-12-16</a:t>
             </a:fld>
             <a:endParaRPr lang="ko-KR" altLang="en-US"/>
           </a:p>
@@ -1301,7 +1302,7 @@
           <a:p>
             <a:fld id="{0D3542A0-33A5-4E90-8AE8-FABE2CE02591}" type="datetimeFigureOut">
               <a:rPr lang="ko-KR" altLang="en-US" smtClean="0"/>
-              <a:t>2017-11-22</a:t>
+              <a:t>2017-12-16</a:t>
             </a:fld>
             <a:endParaRPr lang="ko-KR" altLang="en-US"/>
           </a:p>
@@ -1668,7 +1669,7 @@
           <a:p>
             <a:fld id="{0D3542A0-33A5-4E90-8AE8-FABE2CE02591}" type="datetimeFigureOut">
               <a:rPr lang="ko-KR" altLang="en-US" smtClean="0"/>
-              <a:t>2017-11-22</a:t>
+              <a:t>2017-12-16</a:t>
             </a:fld>
             <a:endParaRPr lang="ko-KR" altLang="en-US"/>
           </a:p>
@@ -1786,7 +1787,7 @@
           <a:p>
             <a:fld id="{0D3542A0-33A5-4E90-8AE8-FABE2CE02591}" type="datetimeFigureOut">
               <a:rPr lang="ko-KR" altLang="en-US" smtClean="0"/>
-              <a:t>2017-11-22</a:t>
+              <a:t>2017-12-16</a:t>
             </a:fld>
             <a:endParaRPr lang="ko-KR" altLang="en-US"/>
           </a:p>
@@ -1881,7 +1882,7 @@
           <a:p>
             <a:fld id="{0D3542A0-33A5-4E90-8AE8-FABE2CE02591}" type="datetimeFigureOut">
               <a:rPr lang="ko-KR" altLang="en-US" smtClean="0"/>
-              <a:t>2017-11-22</a:t>
+              <a:t>2017-12-16</a:t>
             </a:fld>
             <a:endParaRPr lang="ko-KR" altLang="en-US"/>
           </a:p>
@@ -2158,7 +2159,7 @@
           <a:p>
             <a:fld id="{0D3542A0-33A5-4E90-8AE8-FABE2CE02591}" type="datetimeFigureOut">
               <a:rPr lang="ko-KR" altLang="en-US" smtClean="0"/>
-              <a:t>2017-11-22</a:t>
+              <a:t>2017-12-16</a:t>
             </a:fld>
             <a:endParaRPr lang="ko-KR" altLang="en-US"/>
           </a:p>
@@ -2415,7 +2416,7 @@
           <a:p>
             <a:fld id="{0D3542A0-33A5-4E90-8AE8-FABE2CE02591}" type="datetimeFigureOut">
               <a:rPr lang="ko-KR" altLang="en-US" smtClean="0"/>
-              <a:t>2017-11-22</a:t>
+              <a:t>2017-12-16</a:t>
             </a:fld>
             <a:endParaRPr lang="ko-KR" altLang="en-US"/>
           </a:p>
@@ -2628,7 +2629,7 @@
           <a:p>
             <a:fld id="{0D3542A0-33A5-4E90-8AE8-FABE2CE02591}" type="datetimeFigureOut">
               <a:rPr lang="ko-KR" altLang="en-US" smtClean="0"/>
-              <a:t>2017-11-22</a:t>
+              <a:t>2017-12-16</a:t>
             </a:fld>
             <a:endParaRPr lang="ko-KR" altLang="en-US"/>
           </a:p>
@@ -5147,7 +5148,7 @@
           <p:nvPr>
             <p:extLst>
               <p:ext uri="{D42A27DB-BD31-4B8C-83A1-F6EECF244321}">
-                <p14:modId xmlns:p14="http://schemas.microsoft.com/office/powerpoint/2010/main" val="761071335"/>
+                <p14:modId xmlns:p14="http://schemas.microsoft.com/office/powerpoint/2010/main" val="291732472"/>
               </p:ext>
             </p:extLst>
           </p:nvPr>
@@ -5359,9 +5360,29 @@
                       </a:r>
                       <a:r>
                         <a:rPr lang="ko-KR" altLang="en-US" sz="1400" dirty="0"/>
-                        <a:t> 구현</a:t>
-                      </a:r>
-                      <a:endParaRPr lang="en-US" altLang="ko-KR" sz="1400" dirty="0"/>
+                        <a:t> 구현 </a:t>
+                      </a:r>
+                      <a:r>
+                        <a:rPr lang="en-US" altLang="ko-KR" sz="1400" dirty="0">
+                          <a:solidFill>
+                            <a:srgbClr val="FF0000"/>
+                          </a:solidFill>
+                        </a:rPr>
+                        <a:t>ok </a:t>
+                      </a:r>
+                      <a:r>
+                        <a:rPr lang="en-US" altLang="ko-KR" sz="1400" dirty="0" err="1">
+                          <a:solidFill>
+                            <a:srgbClr val="FF0000"/>
+                          </a:solidFill>
+                        </a:rPr>
+                        <a:t>jyy</a:t>
+                      </a:r>
+                      <a:endParaRPr lang="en-US" altLang="ko-KR" sz="1400" dirty="0">
+                        <a:solidFill>
+                          <a:srgbClr val="FF0000"/>
+                        </a:solidFill>
+                      </a:endParaRPr>
                     </a:p>
                   </a:txBody>
                   <a:tcPr anchor="ctr"/>
@@ -5431,9 +5452,29 @@
                       </a:r>
                       <a:r>
                         <a:rPr lang="ko-KR" altLang="en-US" sz="1400" dirty="0"/>
-                        <a:t>열쇠 모델링 넣기</a:t>
-                      </a:r>
-                      <a:endParaRPr lang="en-US" altLang="ko-KR" sz="1400" dirty="0"/>
+                        <a:t>열쇠 모델링 넣기 </a:t>
+                      </a:r>
+                      <a:r>
+                        <a:rPr lang="en-US" altLang="ko-KR" sz="1400" dirty="0">
+                          <a:solidFill>
+                            <a:srgbClr val="FF0000"/>
+                          </a:solidFill>
+                        </a:rPr>
+                        <a:t>ok </a:t>
+                      </a:r>
+                      <a:r>
+                        <a:rPr lang="en-US" altLang="ko-KR" sz="1400" dirty="0" err="1">
+                          <a:solidFill>
+                            <a:srgbClr val="FF0000"/>
+                          </a:solidFill>
+                        </a:rPr>
+                        <a:t>ihr</a:t>
+                      </a:r>
+                      <a:endParaRPr lang="en-US" altLang="ko-KR" sz="1400" dirty="0">
+                        <a:solidFill>
+                          <a:srgbClr val="FF0000"/>
+                        </a:solidFill>
+                      </a:endParaRPr>
                     </a:p>
                   </a:txBody>
                   <a:tcPr anchor="ctr"/>
@@ -5555,9 +5596,29 @@
                       </a:r>
                       <a:r>
                         <a:rPr lang="ko-KR" altLang="en-US" sz="1400" dirty="0"/>
-                        <a:t>점프</a:t>
-                      </a:r>
-                      <a:endParaRPr lang="en-US" altLang="ko-KR" sz="1400" dirty="0"/>
+                        <a:t>점프 </a:t>
+                      </a:r>
+                      <a:r>
+                        <a:rPr lang="en-US" altLang="ko-KR" sz="1400" dirty="0">
+                          <a:solidFill>
+                            <a:srgbClr val="FF0000"/>
+                          </a:solidFill>
+                        </a:rPr>
+                        <a:t>ok </a:t>
+                      </a:r>
+                      <a:r>
+                        <a:rPr lang="en-US" altLang="ko-KR" sz="1400" dirty="0" err="1">
+                          <a:solidFill>
+                            <a:srgbClr val="FF0000"/>
+                          </a:solidFill>
+                        </a:rPr>
+                        <a:t>jyy</a:t>
+                      </a:r>
+                      <a:endParaRPr lang="en-US" altLang="ko-KR" sz="1400" dirty="0">
+                        <a:solidFill>
+                          <a:srgbClr val="FF0000"/>
+                        </a:solidFill>
+                      </a:endParaRPr>
                     </a:p>
                     <a:p>
                       <a:pPr marL="0" marR="0" lvl="0" indent="0" algn="l" defTabSz="1320759" rtl="0" eaLnBrk="1" fontAlgn="auto" latinLnBrk="1" hangingPunct="1">
@@ -5581,7 +5642,35 @@
                         <a:rPr lang="ko-KR" altLang="en-US" sz="1400" dirty="0"/>
                         <a:t>플레이어 바다에 떨어지면 게임 오버</a:t>
                       </a:r>
-                      <a:endParaRPr lang="en-US" altLang="ko-KR" sz="1400" dirty="0"/>
+                      <a:r>
+                        <a:rPr lang="ko-KR" altLang="en-US" sz="1400" dirty="0">
+                          <a:solidFill>
+                            <a:srgbClr val="FF0000"/>
+                          </a:solidFill>
+                        </a:rPr>
+                        <a:t> </a:t>
+                      </a:r>
+                      <a:r>
+                        <a:rPr lang="en-US" altLang="ko-KR" sz="1400" dirty="0">
+                          <a:solidFill>
+                            <a:srgbClr val="FF0000"/>
+                          </a:solidFill>
+                        </a:rPr>
+                        <a:t>ok </a:t>
+                      </a:r>
+                      <a:r>
+                        <a:rPr lang="en-US" altLang="ko-KR" sz="1400" dirty="0" err="1">
+                          <a:solidFill>
+                            <a:srgbClr val="FF0000"/>
+                          </a:solidFill>
+                        </a:rPr>
+                        <a:t>jyy</a:t>
+                      </a:r>
+                      <a:endParaRPr lang="en-US" altLang="ko-KR" sz="1400" dirty="0">
+                        <a:solidFill>
+                          <a:srgbClr val="FF0000"/>
+                        </a:solidFill>
+                      </a:endParaRPr>
                     </a:p>
                   </a:txBody>
                   <a:tcPr anchor="ctr"/>
@@ -5659,9 +5748,29 @@
                       </a:pPr>
                       <a:r>
                         <a:rPr lang="ko-KR" altLang="en-US" sz="1400" dirty="0"/>
-                        <a:t>플레이어 시야 변환</a:t>
-                      </a:r>
-                      <a:endParaRPr lang="en-US" altLang="ko-KR" sz="1400" dirty="0"/>
+                        <a:t>플레이어 시야 변환  </a:t>
+                      </a:r>
+                      <a:r>
+                        <a:rPr lang="en-US" altLang="ko-KR" sz="1400" dirty="0">
+                          <a:solidFill>
+                            <a:srgbClr val="FF0000"/>
+                          </a:solidFill>
+                        </a:rPr>
+                        <a:t>ok </a:t>
+                      </a:r>
+                      <a:r>
+                        <a:rPr lang="en-US" altLang="ko-KR" sz="1400" dirty="0" err="1">
+                          <a:solidFill>
+                            <a:srgbClr val="FF0000"/>
+                          </a:solidFill>
+                        </a:rPr>
+                        <a:t>jyy</a:t>
+                      </a:r>
+                      <a:endParaRPr lang="en-US" altLang="ko-KR" sz="1400" dirty="0">
+                        <a:solidFill>
+                          <a:srgbClr val="FF0000"/>
+                        </a:solidFill>
+                      </a:endParaRPr>
                     </a:p>
                   </a:txBody>
                   <a:tcPr anchor="ctr"/>
@@ -5775,7 +5884,27 @@
                       <a:pPr latinLnBrk="1"/>
                       <a:r>
                         <a:rPr lang="ko-KR" altLang="en-US" sz="1400" dirty="0"/>
-                        <a:t>플레이어 충돌체크</a:t>
+                        <a:t>플레이어 충돌체크 </a:t>
+                      </a:r>
+                      <a:r>
+                        <a:rPr lang="en-US" altLang="ko-KR" sz="1400" dirty="0"/>
+                        <a:t> </a:t>
+                      </a:r>
+                      <a:r>
+                        <a:rPr lang="en-US" altLang="ko-KR" sz="1400" dirty="0">
+                          <a:solidFill>
+                            <a:srgbClr val="FF0000"/>
+                          </a:solidFill>
+                        </a:rPr>
+                        <a:t>ok </a:t>
+                      </a:r>
+                      <a:r>
+                        <a:rPr lang="en-US" altLang="ko-KR" sz="1400" dirty="0" err="1">
+                          <a:solidFill>
+                            <a:srgbClr val="FF0000"/>
+                          </a:solidFill>
+                        </a:rPr>
+                        <a:t>jyy</a:t>
                       </a:r>
                       <a:endParaRPr lang="en-US" altLang="ko-KR" sz="1400" dirty="0"/>
                     </a:p>
@@ -5909,7 +6038,23 @@
                       </a:pPr>
                       <a:r>
                         <a:rPr lang="ko-KR" altLang="en-US" sz="1400" dirty="0"/>
-                        <a:t>안개 효과</a:t>
+                        <a:t>안개 효과 </a:t>
+                      </a:r>
+                      <a:r>
+                        <a:rPr lang="en-US" altLang="ko-KR" sz="1400" dirty="0">
+                          <a:solidFill>
+                            <a:srgbClr val="FF0000"/>
+                          </a:solidFill>
+                        </a:rPr>
+                        <a:t>ok </a:t>
+                      </a:r>
+                      <a:r>
+                        <a:rPr lang="en-US" altLang="ko-KR" sz="1400" dirty="0" err="1">
+                          <a:solidFill>
+                            <a:srgbClr val="FF0000"/>
+                          </a:solidFill>
+                        </a:rPr>
+                        <a:t>ihr</a:t>
                       </a:r>
                       <a:endParaRPr lang="en-US" altLang="ko-KR" sz="1400" dirty="0"/>
                     </a:p>
@@ -6016,9 +6161,45 @@
                       </a:r>
                       <a:r>
                         <a:rPr lang="ko-KR" altLang="en-US" sz="1400" dirty="0"/>
-                        <a:t>열쇠 모두 얻으면 게임 클리어</a:t>
-                      </a:r>
-                      <a:endParaRPr lang="en-US" altLang="ko-KR" sz="1400" dirty="0"/>
+                        <a:t>열쇠 모두 얻으면 게임 클리어 </a:t>
+                      </a:r>
+                      <a:r>
+                        <a:rPr lang="en-US" altLang="ko-KR" sz="1400" dirty="0">
+                          <a:solidFill>
+                            <a:srgbClr val="FF0000"/>
+                          </a:solidFill>
+                        </a:rPr>
+                        <a:t>ok </a:t>
+                      </a:r>
+                      <a:r>
+                        <a:rPr lang="en-US" altLang="ko-KR" sz="1400" dirty="0" err="1">
+                          <a:solidFill>
+                            <a:srgbClr val="FF0000"/>
+                          </a:solidFill>
+                        </a:rPr>
+                        <a:t>ihr</a:t>
+                      </a:r>
+                      <a:r>
+                        <a:rPr lang="en-US" altLang="ko-KR" sz="1400" dirty="0">
+                          <a:solidFill>
+                            <a:srgbClr val="FF0000"/>
+                          </a:solidFill>
+                        </a:rPr>
+                        <a:t>, </a:t>
+                      </a:r>
+                      <a:r>
+                        <a:rPr lang="en-US" altLang="ko-KR" sz="1400" dirty="0" err="1">
+                          <a:solidFill>
+                            <a:srgbClr val="FF0000"/>
+                          </a:solidFill>
+                        </a:rPr>
+                        <a:t>jyy</a:t>
+                      </a:r>
+                      <a:endParaRPr lang="en-US" altLang="ko-KR" sz="1400" dirty="0">
+                        <a:solidFill>
+                          <a:srgbClr val="FF0000"/>
+                        </a:solidFill>
+                      </a:endParaRPr>
                     </a:p>
                     <a:p>
                       <a:pPr latinLnBrk="1"/>
@@ -6129,6 +6310,269 @@
     <p:extLst>
       <p:ext uri="{BB962C8B-B14F-4D97-AF65-F5344CB8AC3E}">
         <p14:creationId xmlns:p14="http://schemas.microsoft.com/office/powerpoint/2010/main" val="2151815608"/>
+      </p:ext>
+    </p:extLst>
+  </p:cSld>
+  <p:clrMapOvr>
+    <a:masterClrMapping/>
+  </p:clrMapOvr>
+</p:sld>
+</file>
+
+<file path=ppt/slides/slide6.xml><?xml version="1.0" encoding="utf-8"?>
+<p:sld xmlns:a="http://schemas.openxmlformats.org/drawingml/2006/main" xmlns:r="http://schemas.openxmlformats.org/officeDocument/2006/relationships" xmlns:p="http://schemas.openxmlformats.org/presentationml/2006/main">
+  <p:cSld>
+    <p:spTree>
+      <p:nvGrpSpPr>
+        <p:cNvPr id="1" name=""/>
+        <p:cNvGrpSpPr/>
+        <p:nvPr/>
+      </p:nvGrpSpPr>
+      <p:grpSpPr>
+        <a:xfrm>
+          <a:off x="0" y="0"/>
+          <a:ext cx="0" cy="0"/>
+          <a:chOff x="0" y="0"/>
+          <a:chExt cx="0" cy="0"/>
+        </a:xfrm>
+      </p:grpSpPr>
+      <p:sp>
+        <p:nvSpPr>
+          <p:cNvPr id="4" name="TextBox 3">
+            <a:extLst>
+              <a:ext uri="{FF2B5EF4-FFF2-40B4-BE49-F238E27FC236}">
+                <a16:creationId xmlns:a16="http://schemas.microsoft.com/office/drawing/2014/main" id="{1BC80E78-94D0-474B-8BFE-AF188B473014}"/>
+              </a:ext>
+            </a:extLst>
+          </p:cNvPr>
+          <p:cNvSpPr txBox="1"/>
+          <p:nvPr/>
+        </p:nvSpPr>
+        <p:spPr>
+          <a:xfrm>
+            <a:off x="558800" y="647700"/>
+            <a:ext cx="6019800" cy="3139321"/>
+          </a:xfrm>
+          <a:prstGeom prst="rect">
+            <a:avLst/>
+          </a:prstGeom>
+          <a:noFill/>
+        </p:spPr>
+        <p:txBody>
+          <a:bodyPr wrap="square" rtlCol="0">
+            <a:spAutoFit/>
+          </a:bodyPr>
+          <a:lstStyle/>
+          <a:p>
+            <a:r>
+              <a:rPr lang="ko-KR" altLang="en-US" dirty="0"/>
+              <a:t>추가할 거</a:t>
+            </a:r>
+            <a:endParaRPr lang="en-US" altLang="ko-KR" dirty="0"/>
+          </a:p>
+          <a:p>
+            <a:endParaRPr lang="ko-KR" altLang="en-US" dirty="0"/>
+          </a:p>
+          <a:p>
+            <a:r>
+              <a:rPr lang="ko-KR" altLang="en-US" dirty="0" err="1"/>
+              <a:t>스카이박스</a:t>
+            </a:r>
+            <a:r>
+              <a:rPr lang="ko-KR" altLang="en-US" dirty="0"/>
+              <a:t> </a:t>
+            </a:r>
+            <a:r>
+              <a:rPr lang="en-US" altLang="ko-KR" dirty="0">
+                <a:solidFill>
+                  <a:srgbClr val="FF0000"/>
+                </a:solidFill>
+              </a:rPr>
+              <a:t>ok </a:t>
+            </a:r>
+            <a:r>
+              <a:rPr lang="en-US" altLang="ko-KR" dirty="0" err="1">
+                <a:solidFill>
+                  <a:srgbClr val="FF0000"/>
+                </a:solidFill>
+              </a:rPr>
+              <a:t>ihr</a:t>
+            </a:r>
+            <a:endParaRPr lang="en-US" altLang="ko-KR" dirty="0">
+              <a:solidFill>
+                <a:srgbClr val="FF0000"/>
+              </a:solidFill>
+            </a:endParaRPr>
+          </a:p>
+          <a:p>
+            <a:r>
+              <a:rPr lang="ko-KR" altLang="en-US" dirty="0"/>
+              <a:t>조명 </a:t>
+            </a:r>
+            <a:r>
+              <a:rPr lang="en-US" altLang="ko-KR" dirty="0"/>
+              <a:t>- </a:t>
+            </a:r>
+            <a:r>
+              <a:rPr lang="ko-KR" altLang="en-US" dirty="0"/>
+              <a:t>태양</a:t>
+            </a:r>
+            <a:r>
+              <a:rPr lang="en-US" altLang="ko-KR" dirty="0"/>
+              <a:t>(</a:t>
+            </a:r>
+            <a:r>
+              <a:rPr lang="ko-KR" altLang="en-US" dirty="0"/>
+              <a:t>달</a:t>
+            </a:r>
+            <a:r>
+              <a:rPr lang="en-US" altLang="ko-KR" dirty="0"/>
+              <a:t>), </a:t>
+            </a:r>
+            <a:r>
+              <a:rPr lang="ko-KR" altLang="en-US" dirty="0"/>
+              <a:t>열쇠 조명</a:t>
+            </a:r>
+          </a:p>
+          <a:p>
+            <a:endParaRPr lang="ko-KR" altLang="en-US" dirty="0"/>
+          </a:p>
+          <a:p>
+            <a:r>
+              <a:rPr lang="ko-KR" altLang="en-US" dirty="0"/>
+              <a:t>플레이어 이동은 </a:t>
+            </a:r>
+            <a:r>
+              <a:rPr lang="en-US" altLang="ko-KR" dirty="0"/>
+              <a:t>1</a:t>
+            </a:r>
+            <a:r>
+              <a:rPr lang="ko-KR" altLang="en-US" dirty="0"/>
+              <a:t>인칭에서만 가능 </a:t>
+            </a:r>
+            <a:r>
+              <a:rPr lang="en-US" altLang="ko-KR" dirty="0">
+                <a:solidFill>
+                  <a:srgbClr val="FF0000"/>
+                </a:solidFill>
+              </a:rPr>
+              <a:t>ok </a:t>
+            </a:r>
+            <a:r>
+              <a:rPr lang="en-US" altLang="ko-KR" dirty="0" err="1">
+                <a:solidFill>
+                  <a:srgbClr val="FF0000"/>
+                </a:solidFill>
+              </a:rPr>
+              <a:t>jyy</a:t>
+            </a:r>
+            <a:endParaRPr lang="en-US" altLang="ko-KR" dirty="0">
+              <a:solidFill>
+                <a:srgbClr val="FF0000"/>
+              </a:solidFill>
+            </a:endParaRPr>
+          </a:p>
+          <a:p>
+            <a:r>
+              <a:rPr lang="ko-KR" altLang="en-US" dirty="0"/>
+              <a:t>열쇠 위치 </a:t>
+            </a:r>
+            <a:r>
+              <a:rPr lang="en-US" altLang="ko-KR" dirty="0"/>
+              <a:t>2</a:t>
+            </a:r>
+            <a:r>
+              <a:rPr lang="ko-KR" altLang="en-US" dirty="0"/>
+              <a:t>층</a:t>
+            </a:r>
+            <a:r>
+              <a:rPr lang="en-US" altLang="ko-KR" dirty="0"/>
+              <a:t>, 3</a:t>
+            </a:r>
+            <a:r>
+              <a:rPr lang="ko-KR" altLang="en-US" dirty="0"/>
+              <a:t>층 </a:t>
+            </a:r>
+            <a:r>
+              <a:rPr lang="en-US" altLang="ko-KR" dirty="0">
+                <a:solidFill>
+                  <a:srgbClr val="FF0000"/>
+                </a:solidFill>
+              </a:rPr>
+              <a:t>ok </a:t>
+            </a:r>
+            <a:r>
+              <a:rPr lang="en-US" altLang="ko-KR" dirty="0" err="1">
+                <a:solidFill>
+                  <a:srgbClr val="FF0000"/>
+                </a:solidFill>
+              </a:rPr>
+              <a:t>jyy</a:t>
+            </a:r>
+            <a:endParaRPr lang="en-US" altLang="ko-KR" dirty="0">
+              <a:solidFill>
+                <a:srgbClr val="FF0000"/>
+              </a:solidFill>
+            </a:endParaRPr>
+          </a:p>
+          <a:p>
+            <a:endParaRPr lang="en-US" altLang="ko-KR" dirty="0"/>
+          </a:p>
+          <a:p>
+            <a:r>
+              <a:rPr lang="ko-KR" altLang="en-US" dirty="0"/>
+              <a:t>밤바다 </a:t>
+            </a:r>
+            <a:r>
+              <a:rPr lang="ko-KR" altLang="en-US" dirty="0" err="1"/>
+              <a:t>스카이박스</a:t>
+            </a:r>
+            <a:endParaRPr lang="en-US" altLang="ko-KR" dirty="0"/>
+          </a:p>
+          <a:p>
+            <a:endParaRPr lang="en-US" altLang="ko-KR" dirty="0"/>
+          </a:p>
+          <a:p>
+            <a:r>
+              <a:rPr lang="ko-KR" altLang="en-US" dirty="0"/>
+              <a:t>엔딩 메시지박스</a:t>
+            </a:r>
+            <a:r>
+              <a:rPr lang="ko-KR" altLang="en-US" dirty="0">
+                <a:solidFill>
+                  <a:srgbClr val="FF0000"/>
+                </a:solidFill>
+              </a:rPr>
+              <a:t> </a:t>
+            </a:r>
+            <a:r>
+              <a:rPr lang="en-US" altLang="ko-KR" dirty="0">
+                <a:solidFill>
+                  <a:srgbClr val="FF0000"/>
+                </a:solidFill>
+              </a:rPr>
+              <a:t>ok </a:t>
+            </a:r>
+            <a:r>
+              <a:rPr lang="en-US" altLang="ko-KR" dirty="0" err="1">
+                <a:solidFill>
+                  <a:srgbClr val="FF0000"/>
+                </a:solidFill>
+              </a:rPr>
+              <a:t>jyy</a:t>
+            </a:r>
+            <a:endParaRPr lang="ko-KR" altLang="en-US" dirty="0">
+              <a:solidFill>
+                <a:srgbClr val="FF0000"/>
+              </a:solidFill>
+            </a:endParaRPr>
+          </a:p>
+        </p:txBody>
+      </p:sp>
+    </p:spTree>
+    <p:extLst>
+      <p:ext uri="{BB962C8B-B14F-4D97-AF65-F5344CB8AC3E}">
+        <p14:creationId xmlns:p14="http://schemas.microsoft.com/office/powerpoint/2010/main" val="2348558560"/>
       </p:ext>
     </p:extLst>
   </p:cSld>

--- a/컴그_기말프로젝트_제안서.pptx
+++ b/컴그_기말프로젝트_제안서.pptx
@@ -306,7 +306,7 @@
           <a:p>
             <a:fld id="{0D3542A0-33A5-4E90-8AE8-FABE2CE02591}" type="datetimeFigureOut">
               <a:rPr lang="ko-KR" altLang="en-US" smtClean="0"/>
-              <a:t>2017-12-16</a:t>
+              <a:t>2017-12-17</a:t>
             </a:fld>
             <a:endParaRPr lang="ko-KR" altLang="en-US"/>
           </a:p>
@@ -476,7 +476,7 @@
           <a:p>
             <a:fld id="{0D3542A0-33A5-4E90-8AE8-FABE2CE02591}" type="datetimeFigureOut">
               <a:rPr lang="ko-KR" altLang="en-US" smtClean="0"/>
-              <a:t>2017-12-16</a:t>
+              <a:t>2017-12-17</a:t>
             </a:fld>
             <a:endParaRPr lang="ko-KR" altLang="en-US"/>
           </a:p>
@@ -656,7 +656,7 @@
           <a:p>
             <a:fld id="{0D3542A0-33A5-4E90-8AE8-FABE2CE02591}" type="datetimeFigureOut">
               <a:rPr lang="ko-KR" altLang="en-US" smtClean="0"/>
-              <a:t>2017-12-16</a:t>
+              <a:t>2017-12-17</a:t>
             </a:fld>
             <a:endParaRPr lang="ko-KR" altLang="en-US"/>
           </a:p>
@@ -826,7 +826,7 @@
           <a:p>
             <a:fld id="{0D3542A0-33A5-4E90-8AE8-FABE2CE02591}" type="datetimeFigureOut">
               <a:rPr lang="ko-KR" altLang="en-US" smtClean="0"/>
-              <a:t>2017-12-16</a:t>
+              <a:t>2017-12-17</a:t>
             </a:fld>
             <a:endParaRPr lang="ko-KR" altLang="en-US"/>
           </a:p>
@@ -1070,7 +1070,7 @@
           <a:p>
             <a:fld id="{0D3542A0-33A5-4E90-8AE8-FABE2CE02591}" type="datetimeFigureOut">
               <a:rPr lang="ko-KR" altLang="en-US" smtClean="0"/>
-              <a:t>2017-12-16</a:t>
+              <a:t>2017-12-17</a:t>
             </a:fld>
             <a:endParaRPr lang="ko-KR" altLang="en-US"/>
           </a:p>
@@ -1302,7 +1302,7 @@
           <a:p>
             <a:fld id="{0D3542A0-33A5-4E90-8AE8-FABE2CE02591}" type="datetimeFigureOut">
               <a:rPr lang="ko-KR" altLang="en-US" smtClean="0"/>
-              <a:t>2017-12-16</a:t>
+              <a:t>2017-12-17</a:t>
             </a:fld>
             <a:endParaRPr lang="ko-KR" altLang="en-US"/>
           </a:p>
@@ -1669,7 +1669,7 @@
           <a:p>
             <a:fld id="{0D3542A0-33A5-4E90-8AE8-FABE2CE02591}" type="datetimeFigureOut">
               <a:rPr lang="ko-KR" altLang="en-US" smtClean="0"/>
-              <a:t>2017-12-16</a:t>
+              <a:t>2017-12-17</a:t>
             </a:fld>
             <a:endParaRPr lang="ko-KR" altLang="en-US"/>
           </a:p>
@@ -1787,7 +1787,7 @@
           <a:p>
             <a:fld id="{0D3542A0-33A5-4E90-8AE8-FABE2CE02591}" type="datetimeFigureOut">
               <a:rPr lang="ko-KR" altLang="en-US" smtClean="0"/>
-              <a:t>2017-12-16</a:t>
+              <a:t>2017-12-17</a:t>
             </a:fld>
             <a:endParaRPr lang="ko-KR" altLang="en-US"/>
           </a:p>
@@ -1882,7 +1882,7 @@
           <a:p>
             <a:fld id="{0D3542A0-33A5-4E90-8AE8-FABE2CE02591}" type="datetimeFigureOut">
               <a:rPr lang="ko-KR" altLang="en-US" smtClean="0"/>
-              <a:t>2017-12-16</a:t>
+              <a:t>2017-12-17</a:t>
             </a:fld>
             <a:endParaRPr lang="ko-KR" altLang="en-US"/>
           </a:p>
@@ -2159,7 +2159,7 @@
           <a:p>
             <a:fld id="{0D3542A0-33A5-4E90-8AE8-FABE2CE02591}" type="datetimeFigureOut">
               <a:rPr lang="ko-KR" altLang="en-US" smtClean="0"/>
-              <a:t>2017-12-16</a:t>
+              <a:t>2017-12-17</a:t>
             </a:fld>
             <a:endParaRPr lang="ko-KR" altLang="en-US"/>
           </a:p>
@@ -2416,7 +2416,7 @@
           <a:p>
             <a:fld id="{0D3542A0-33A5-4E90-8AE8-FABE2CE02591}" type="datetimeFigureOut">
               <a:rPr lang="ko-KR" altLang="en-US" smtClean="0"/>
-              <a:t>2017-12-16</a:t>
+              <a:t>2017-12-17</a:t>
             </a:fld>
             <a:endParaRPr lang="ko-KR" altLang="en-US"/>
           </a:p>
@@ -2629,7 +2629,7 @@
           <a:p>
             <a:fld id="{0D3542A0-33A5-4E90-8AE8-FABE2CE02591}" type="datetimeFigureOut">
               <a:rPr lang="ko-KR" altLang="en-US" smtClean="0"/>
-              <a:t>2017-12-16</a:t>
+              <a:t>2017-12-17</a:t>
             </a:fld>
             <a:endParaRPr lang="ko-KR" altLang="en-US"/>
           </a:p>
@@ -5148,7 +5148,7 @@
           <p:nvPr>
             <p:extLst>
               <p:ext uri="{D42A27DB-BD31-4B8C-83A1-F6EECF244321}">
-                <p14:modId xmlns:p14="http://schemas.microsoft.com/office/powerpoint/2010/main" val="291732472"/>
+                <p14:modId xmlns:p14="http://schemas.microsoft.com/office/powerpoint/2010/main" val="1173315912"/>
               </p:ext>
             </p:extLst>
           </p:nvPr>
@@ -5911,23 +5911,23 @@
                     <a:p>
                       <a:pPr latinLnBrk="1"/>
                       <a:r>
-                        <a:rPr lang="ko-KR" altLang="en-US" sz="1400" dirty="0" err="1"/>
+                        <a:rPr lang="ko-KR" altLang="en-US" sz="1400" strike="sngStrike" dirty="0" err="1"/>
                         <a:t>미니맵</a:t>
                       </a:r>
                       <a:r>
-                        <a:rPr lang="ko-KR" altLang="en-US" sz="1400" dirty="0"/>
+                        <a:rPr lang="ko-KR" altLang="en-US" sz="1400" strike="sngStrike" dirty="0"/>
                         <a:t> </a:t>
                       </a:r>
                       <a:r>
-                        <a:rPr lang="en-US" altLang="ko-KR" sz="1400" dirty="0"/>
+                        <a:rPr lang="en-US" altLang="ko-KR" sz="1400" strike="sngStrike" dirty="0"/>
                         <a:t>(top</a:t>
                       </a:r>
                       <a:r>
-                        <a:rPr lang="ko-KR" altLang="en-US" sz="1400" dirty="0"/>
+                        <a:rPr lang="ko-KR" altLang="en-US" sz="1400" strike="sngStrike" dirty="0"/>
                         <a:t> </a:t>
                       </a:r>
                       <a:r>
-                        <a:rPr lang="en-US" altLang="ko-KR" sz="1400" dirty="0"/>
+                        <a:rPr lang="en-US" altLang="ko-KR" sz="1400" strike="sngStrike" dirty="0"/>
                         <a:t>view)</a:t>
                       </a:r>
                     </a:p>

--- a/컴그_기말프로젝트_제안서.pptx
+++ b/컴그_기말프로젝트_제안서.pptx
@@ -5148,14 +5148,14 @@
           <p:nvPr>
             <p:extLst>
               <p:ext uri="{D42A27DB-BD31-4B8C-83A1-F6EECF244321}">
-                <p14:modId xmlns:p14="http://schemas.microsoft.com/office/powerpoint/2010/main" val="1173315912"/>
+                <p14:modId xmlns:p14="http://schemas.microsoft.com/office/powerpoint/2010/main" val="2808427814"/>
               </p:ext>
             </p:extLst>
           </p:nvPr>
         </p:nvGraphicFramePr>
         <p:xfrm>
           <a:off x="471486" y="1992203"/>
-          <a:ext cx="5915025" cy="7043103"/>
+          <a:ext cx="5915025" cy="7418776"/>
         </p:xfrm>
         <a:graphic>
           <a:graphicData uri="http://schemas.openxmlformats.org/drawingml/2006/table">
@@ -5973,18 +5973,18 @@
                     <a:p>
                       <a:pPr latinLnBrk="1"/>
                       <a:r>
-                        <a:rPr lang="ko-KR" altLang="en-US" sz="1400" dirty="0"/>
+                        <a:rPr lang="ko-KR" altLang="en-US" sz="1400" strike="sngStrike" dirty="0"/>
                         <a:t>발로 타일 부수기</a:t>
                       </a:r>
                       <a:r>
-                        <a:rPr lang="en-US" altLang="ko-KR" sz="1400" dirty="0"/>
+                        <a:rPr lang="en-US" altLang="ko-KR" sz="1400" strike="sngStrike" dirty="0"/>
                         <a:t>, </a:t>
                       </a:r>
                       <a:r>
-                        <a:rPr lang="ko-KR" altLang="en-US" sz="1400" dirty="0"/>
+                        <a:rPr lang="ko-KR" altLang="en-US" sz="1400" strike="sngStrike" dirty="0"/>
                         <a:t>부수는 효과</a:t>
                       </a:r>
-                      <a:endParaRPr lang="en-US" altLang="ko-KR" sz="1400" dirty="0"/>
+                      <a:endParaRPr lang="en-US" altLang="ko-KR" sz="1400" strike="sngStrike" dirty="0"/>
                     </a:p>
                     <a:p>
                       <a:pPr marL="0" marR="0" lvl="0" indent="0" algn="l" defTabSz="1320759" rtl="0" eaLnBrk="1" fontAlgn="auto" latinLnBrk="1" hangingPunct="1">
@@ -6005,18 +6005,78 @@
                         <a:defRPr/>
                       </a:pPr>
                       <a:r>
-                        <a:rPr lang="ko-KR" altLang="en-US" sz="1400" dirty="0"/>
+                        <a:rPr lang="ko-KR" altLang="en-US" sz="1400" strike="sngStrike" dirty="0"/>
                         <a:t>밟힌 큐브 일정 시간 후에 떨어짐</a:t>
                       </a:r>
                       <a:r>
-                        <a:rPr lang="en-US" altLang="ko-KR" sz="1400" dirty="0"/>
+                        <a:rPr lang="en-US" altLang="ko-KR" sz="1400" strike="sngStrike" dirty="0"/>
                         <a:t>, </a:t>
                       </a:r>
                       <a:r>
-                        <a:rPr lang="ko-KR" altLang="en-US" sz="1400" dirty="0"/>
+                        <a:rPr lang="ko-KR" altLang="en-US" sz="1400" strike="sngStrike" dirty="0"/>
                         <a:t>바다로 바뀜</a:t>
                       </a:r>
-                      <a:endParaRPr lang="en-US" altLang="ko-KR" sz="1400" dirty="0"/>
+                      <a:endParaRPr lang="en-US" altLang="ko-KR" sz="1400" strike="sngStrike" dirty="0"/>
+                    </a:p>
+                    <a:p>
+                      <a:pPr marL="0" marR="0" lvl="0" indent="0" algn="l" defTabSz="1320759" rtl="0" eaLnBrk="1" fontAlgn="auto" latinLnBrk="1" hangingPunct="1">
+                        <a:lnSpc>
+                          <a:spcPct val="100000"/>
+                        </a:lnSpc>
+                        <a:spcBef>
+                          <a:spcPts val="0"/>
+                        </a:spcBef>
+                        <a:spcAft>
+                          <a:spcPts val="0"/>
+                        </a:spcAft>
+                        <a:buClrTx/>
+                        <a:buSzTx/>
+                        <a:buFontTx/>
+                        <a:buNone/>
+                        <a:tabLst/>
+                        <a:defRPr/>
+                      </a:pPr>
+                      <a:r>
+                        <a:rPr lang="ko-KR" altLang="en-US" sz="1400" strike="noStrike" dirty="0"/>
+                        <a:t>밟힌 큐브 일정 시간 후에 부숴지고</a:t>
+                      </a:r>
+                      <a:r>
+                        <a:rPr lang="en-US" altLang="ko-KR" sz="1400" strike="noStrike" dirty="0"/>
+                        <a:t>, 1</a:t>
+                      </a:r>
+                      <a:r>
+                        <a:rPr lang="ko-KR" altLang="en-US" sz="1400" strike="noStrike" dirty="0"/>
+                        <a:t>층에서는 바다로 바뀜</a:t>
+                      </a:r>
+                      <a:r>
+                        <a:rPr lang="en-US" altLang="ko-KR" sz="1400" strike="noStrike" dirty="0"/>
+                        <a:t>, </a:t>
+                      </a:r>
+                      <a:r>
+                        <a:rPr lang="ko-KR" altLang="en-US" sz="1400" strike="noStrike" dirty="0"/>
+                        <a:t>부수는 효과 </a:t>
+                      </a:r>
+                      <a:r>
+                        <a:rPr lang="en-US" altLang="ko-KR" sz="1400" strike="noStrike" dirty="0">
+                          <a:solidFill>
+                            <a:srgbClr val="FF0000"/>
+                          </a:solidFill>
+                        </a:rPr>
+                        <a:t>ok </a:t>
+                      </a:r>
+                      <a:r>
+                        <a:rPr lang="en-US" altLang="ko-KR" sz="1400" strike="noStrike" dirty="0" err="1">
+                          <a:solidFill>
+                            <a:srgbClr val="FF0000"/>
+                          </a:solidFill>
+                        </a:rPr>
+                        <a:t>jyy</a:t>
+                      </a:r>
+                      <a:endParaRPr lang="en-US" altLang="ko-KR" sz="1400" strike="noStrike" dirty="0">
+                        <a:solidFill>
+                          <a:srgbClr val="FF0000"/>
+                        </a:solidFill>
+                      </a:endParaRPr>
                     </a:p>
                     <a:p>
                       <a:pPr marL="0" marR="0" lvl="0" indent="0" algn="l" defTabSz="1320759" rtl="0" eaLnBrk="1" fontAlgn="auto" latinLnBrk="1" hangingPunct="1">
@@ -6205,7 +6265,23 @@
                       <a:pPr latinLnBrk="1"/>
                       <a:r>
                         <a:rPr lang="ko-KR" altLang="en-US" sz="1400" dirty="0"/>
-                        <a:t>열쇠 얻은 위치의 열쇠 큐브 색 바꿈</a:t>
+                        <a:t>열쇠 얻은 위치의 열쇠 큐브 색 바꿈 </a:t>
+                      </a:r>
+                      <a:r>
+                        <a:rPr lang="en-US" altLang="ko-KR" sz="1400" dirty="0">
+                          <a:solidFill>
+                            <a:srgbClr val="FF0000"/>
+                          </a:solidFill>
+                        </a:rPr>
+                        <a:t>ok </a:t>
+                      </a:r>
+                      <a:r>
+                        <a:rPr lang="en-US" altLang="ko-KR" sz="1400" dirty="0" err="1">
+                          <a:solidFill>
+                            <a:srgbClr val="FF0000"/>
+                          </a:solidFill>
+                        </a:rPr>
+                        <a:t>jyy</a:t>
                       </a:r>
                       <a:endParaRPr lang="en-US" altLang="ko-KR" sz="1400" dirty="0"/>
                     </a:p>
@@ -6252,9 +6328,29 @@
                       <a:pPr latinLnBrk="1"/>
                       <a:r>
                         <a:rPr lang="ko-KR" altLang="en-US" sz="1400" dirty="0"/>
-                        <a:t>무적 모드 만들기</a:t>
-                      </a:r>
-                      <a:endParaRPr lang="en-US" altLang="ko-KR" sz="1400" dirty="0"/>
+                        <a:t>무적 모드 만들기 </a:t>
+                      </a:r>
+                      <a:r>
+                        <a:rPr lang="en-US" altLang="ko-KR" sz="1400" dirty="0">
+                          <a:solidFill>
+                            <a:srgbClr val="FF0000"/>
+                          </a:solidFill>
+                        </a:rPr>
+                        <a:t>ok </a:t>
+                      </a:r>
+                      <a:r>
+                        <a:rPr lang="en-US" altLang="ko-KR" sz="1400" dirty="0" err="1">
+                          <a:solidFill>
+                            <a:srgbClr val="FF0000"/>
+                          </a:solidFill>
+                        </a:rPr>
+                        <a:t>jyy</a:t>
+                      </a:r>
+                      <a:endParaRPr lang="en-US" altLang="ko-KR" sz="1400" dirty="0">
+                        <a:solidFill>
+                          <a:srgbClr val="FF0000"/>
+                        </a:solidFill>
+                      </a:endParaRPr>
                     </a:p>
                     <a:p>
                       <a:pPr latinLnBrk="1"/>
@@ -6268,9 +6364,29 @@
                       </a:r>
                       <a:r>
                         <a:rPr lang="ko-KR" altLang="en-US" sz="1400" dirty="0"/>
-                        <a:t>효과음</a:t>
-                      </a:r>
-                      <a:endParaRPr lang="en-US" altLang="ko-KR" sz="1400" dirty="0"/>
+                        <a:t>효과음 </a:t>
+                      </a:r>
+                      <a:r>
+                        <a:rPr lang="en-US" altLang="ko-KR" sz="1400" dirty="0">
+                          <a:solidFill>
+                            <a:srgbClr val="FF0000"/>
+                          </a:solidFill>
+                        </a:rPr>
+                        <a:t>ok </a:t>
+                      </a:r>
+                      <a:r>
+                        <a:rPr lang="en-US" altLang="ko-KR" sz="1400" dirty="0" err="1">
+                          <a:solidFill>
+                            <a:srgbClr val="FF0000"/>
+                          </a:solidFill>
+                        </a:rPr>
+                        <a:t>jyy</a:t>
+                      </a:r>
+                      <a:endParaRPr lang="en-US" altLang="ko-KR" sz="1400" dirty="0">
+                        <a:solidFill>
+                          <a:srgbClr val="FF0000"/>
+                        </a:solidFill>
+                      </a:endParaRPr>
                     </a:p>
                     <a:p>
                       <a:pPr latinLnBrk="1"/>
@@ -6351,7 +6467,7 @@
         <p:spPr>
           <a:xfrm>
             <a:off x="558800" y="647700"/>
-            <a:ext cx="6019800" cy="3139321"/>
+            <a:ext cx="6019800" cy="3693319"/>
           </a:xfrm>
           <a:prstGeom prst="rect">
             <a:avLst/>
@@ -6431,24 +6547,7 @@
             </a:r>
             <a:r>
               <a:rPr lang="ko-KR" altLang="en-US" dirty="0"/>
-              <a:t>열쇠 조명</a:t>
-            </a:r>
-          </a:p>
-          <a:p>
-            <a:endParaRPr lang="ko-KR" altLang="en-US" dirty="0"/>
-          </a:p>
-          <a:p>
-            <a:r>
-              <a:rPr lang="ko-KR" altLang="en-US" dirty="0"/>
-              <a:t>플레이어 이동은 </a:t>
-            </a:r>
-            <a:r>
-              <a:rPr lang="en-US" altLang="ko-KR" dirty="0"/>
-              <a:t>1</a:t>
-            </a:r>
-            <a:r>
-              <a:rPr lang="ko-KR" altLang="en-US" dirty="0"/>
-              <a:t>인칭에서만 가능 </a:t>
+              <a:t>열쇠 조명 </a:t>
             </a:r>
             <a:r>
               <a:rPr lang="en-US" altLang="ko-KR" dirty="0">
@@ -6464,34 +6563,29 @@
                   <a:srgbClr val="FF0000"/>
                 </a:solidFill>
               </a:rPr>
-              <a:t>jyy</a:t>
-            </a:r>
-            <a:endParaRPr lang="en-US" altLang="ko-KR" dirty="0">
+              <a:t>ihr</a:t>
+            </a:r>
+            <a:endParaRPr lang="ko-KR" altLang="en-US" dirty="0">
               <a:solidFill>
                 <a:srgbClr val="FF0000"/>
               </a:solidFill>
             </a:endParaRPr>
           </a:p>
           <a:p>
+            <a:endParaRPr lang="ko-KR" altLang="en-US" dirty="0"/>
+          </a:p>
+          <a:p>
             <a:r>
               <a:rPr lang="ko-KR" altLang="en-US" dirty="0"/>
-              <a:t>열쇠 위치 </a:t>
+              <a:t>플레이어 이동은 </a:t>
             </a:r>
             <a:r>
               <a:rPr lang="en-US" altLang="ko-KR" dirty="0"/>
-              <a:t>2</a:t>
+              <a:t>1</a:t>
             </a:r>
             <a:r>
               <a:rPr lang="ko-KR" altLang="en-US" dirty="0"/>
-              <a:t>층</a:t>
-            </a:r>
-            <a:r>
-              <a:rPr lang="en-US" altLang="ko-KR" dirty="0"/>
-              <a:t>, 3</a:t>
-            </a:r>
-            <a:r>
-              <a:rPr lang="ko-KR" altLang="en-US" dirty="0"/>
-              <a:t>층 </a:t>
+              <a:t>인칭에서만 가능 </a:t>
             </a:r>
             <a:r>
               <a:rPr lang="en-US" altLang="ko-KR" dirty="0">
@@ -6516,18 +6610,77 @@
             </a:endParaRPr>
           </a:p>
           <a:p>
+            <a:r>
+              <a:rPr lang="ko-KR" altLang="en-US" dirty="0"/>
+              <a:t>열쇠 위치 </a:t>
+            </a:r>
+            <a:r>
+              <a:rPr lang="en-US" altLang="ko-KR" dirty="0"/>
+              <a:t>2</a:t>
+            </a:r>
+            <a:r>
+              <a:rPr lang="ko-KR" altLang="en-US" dirty="0"/>
+              <a:t>층</a:t>
+            </a:r>
+            <a:r>
+              <a:rPr lang="en-US" altLang="ko-KR" dirty="0"/>
+              <a:t>, 3</a:t>
+            </a:r>
+            <a:r>
+              <a:rPr lang="ko-KR" altLang="en-US" dirty="0"/>
+              <a:t>층 </a:t>
+            </a:r>
+            <a:r>
+              <a:rPr lang="en-US" altLang="ko-KR" dirty="0">
+                <a:solidFill>
+                  <a:srgbClr val="FF0000"/>
+                </a:solidFill>
+              </a:rPr>
+              <a:t>ok </a:t>
+            </a:r>
+            <a:r>
+              <a:rPr lang="en-US" altLang="ko-KR" dirty="0" err="1">
+                <a:solidFill>
+                  <a:srgbClr val="FF0000"/>
+                </a:solidFill>
+              </a:rPr>
+              <a:t>jyy</a:t>
+            </a:r>
+            <a:endParaRPr lang="en-US" altLang="ko-KR" dirty="0">
+              <a:solidFill>
+                <a:srgbClr val="FF0000"/>
+              </a:solidFill>
+            </a:endParaRPr>
+          </a:p>
+          <a:p>
             <a:endParaRPr lang="en-US" altLang="ko-KR" dirty="0"/>
           </a:p>
           <a:p>
             <a:r>
               <a:rPr lang="ko-KR" altLang="en-US" dirty="0"/>
-              <a:t>밤바다 </a:t>
-            </a:r>
-            <a:r>
-              <a:rPr lang="ko-KR" altLang="en-US" dirty="0" err="1"/>
-              <a:t>스카이박스</a:t>
-            </a:r>
-            <a:endParaRPr lang="en-US" altLang="ko-KR" dirty="0"/>
+              <a:t>밤에는 별 애니 </a:t>
+            </a:r>
+            <a:r>
+              <a:rPr lang="en-US" altLang="ko-KR" dirty="0">
+                <a:solidFill>
+                  <a:srgbClr val="FF0000"/>
+                </a:solidFill>
+              </a:rPr>
+              <a:t>ok </a:t>
+            </a:r>
+            <a:r>
+              <a:rPr lang="en-US" altLang="ko-KR" dirty="0" err="1">
+                <a:solidFill>
+                  <a:srgbClr val="FF0000"/>
+                </a:solidFill>
+              </a:rPr>
+              <a:t>ihr</a:t>
+            </a:r>
+            <a:endParaRPr lang="en-US" altLang="ko-KR" dirty="0">
+              <a:solidFill>
+                <a:srgbClr val="FF0000"/>
+              </a:solidFill>
+            </a:endParaRPr>
           </a:p>
           <a:p>
             <a:endParaRPr lang="en-US" altLang="ko-KR" dirty="0"/>
@@ -6544,6 +6697,40 @@
                 </a:solidFill>
               </a:rPr>
               <a:t> </a:t>
+            </a:r>
+            <a:r>
+              <a:rPr lang="en-US" altLang="ko-KR" dirty="0">
+                <a:solidFill>
+                  <a:srgbClr val="FF0000"/>
+                </a:solidFill>
+              </a:rPr>
+              <a:t>ok </a:t>
+            </a:r>
+            <a:r>
+              <a:rPr lang="en-US" altLang="ko-KR" dirty="0" err="1">
+                <a:solidFill>
+                  <a:srgbClr val="FF0000"/>
+                </a:solidFill>
+              </a:rPr>
+              <a:t>jyy</a:t>
+            </a:r>
+            <a:endParaRPr lang="en-US" altLang="ko-KR" dirty="0">
+              <a:solidFill>
+                <a:srgbClr val="FF0000"/>
+              </a:solidFill>
+            </a:endParaRPr>
+          </a:p>
+          <a:p>
+            <a:endParaRPr lang="en-US" altLang="ko-KR" dirty="0">
+              <a:solidFill>
+                <a:srgbClr val="FF0000"/>
+              </a:solidFill>
+            </a:endParaRPr>
+          </a:p>
+          <a:p>
+            <a:r>
+              <a:rPr lang="ko-KR" altLang="en-US" dirty="0"/>
+              <a:t>맵 밖으로 떨어져도 사망 </a:t>
             </a:r>
             <a:r>
               <a:rPr lang="en-US" altLang="ko-KR" dirty="0">

--- a/컴그_기말프로젝트_제안서.pptx
+++ b/컴그_기말프로젝트_제안서.pptx
@@ -5148,7 +5148,7 @@
           <p:nvPr>
             <p:extLst>
               <p:ext uri="{D42A27DB-BD31-4B8C-83A1-F6EECF244321}">
-                <p14:modId xmlns:p14="http://schemas.microsoft.com/office/powerpoint/2010/main" val="2808427814"/>
+                <p14:modId xmlns:p14="http://schemas.microsoft.com/office/powerpoint/2010/main" val="1860822098"/>
               </p:ext>
             </p:extLst>
           </p:nvPr>
@@ -6391,7 +6391,7 @@
                     <a:p>
                       <a:pPr latinLnBrk="1"/>
                       <a:r>
-                        <a:rPr lang="ko-KR" altLang="en-US" sz="1400" dirty="0"/>
+                        <a:rPr lang="ko-KR" altLang="en-US" sz="1400" strike="sngStrike" dirty="0"/>
                         <a:t>열쇠 획득 효과</a:t>
                       </a:r>
                     </a:p>

--- a/컴그_기말프로젝트_제안서.pptx
+++ b/컴그_기말프로젝트_제안서.pptx
@@ -10,7 +10,6 @@
     <p:sldId id="258" r:id="rId4"/>
     <p:sldId id="261" r:id="rId5"/>
     <p:sldId id="260" r:id="rId6"/>
-    <p:sldId id="262" r:id="rId7"/>
   </p:sldIdLst>
   <p:sldSz cx="6858000" cy="9906000" type="A4"/>
   <p:notesSz cx="6858000" cy="9144000"/>
@@ -5148,14 +5147,14 @@
           <p:nvPr>
             <p:extLst>
               <p:ext uri="{D42A27DB-BD31-4B8C-83A1-F6EECF244321}">
-                <p14:modId xmlns:p14="http://schemas.microsoft.com/office/powerpoint/2010/main" val="1860822098"/>
+                <p14:modId xmlns:p14="http://schemas.microsoft.com/office/powerpoint/2010/main" val="761071335"/>
               </p:ext>
             </p:extLst>
           </p:nvPr>
         </p:nvGraphicFramePr>
         <p:xfrm>
           <a:off x="471486" y="1992203"/>
-          <a:ext cx="5915025" cy="7418776"/>
+          <a:ext cx="5915025" cy="7043103"/>
         </p:xfrm>
         <a:graphic>
           <a:graphicData uri="http://schemas.openxmlformats.org/drawingml/2006/table">
@@ -5360,29 +5359,9 @@
                       </a:r>
                       <a:r>
                         <a:rPr lang="ko-KR" altLang="en-US" sz="1400" dirty="0"/>
-                        <a:t> 구현 </a:t>
+                        <a:t> 구현</a:t>
                       </a:r>
-                      <a:r>
-                        <a:rPr lang="en-US" altLang="ko-KR" sz="1400" dirty="0">
-                          <a:solidFill>
-                            <a:srgbClr val="FF0000"/>
-                          </a:solidFill>
-                        </a:rPr>
-                        <a:t>ok </a:t>
-                      </a:r>
-                      <a:r>
-                        <a:rPr lang="en-US" altLang="ko-KR" sz="1400" dirty="0" err="1">
-                          <a:solidFill>
-                            <a:srgbClr val="FF0000"/>
-                          </a:solidFill>
-                        </a:rPr>
-                        <a:t>jyy</a:t>
-                      </a:r>
-                      <a:endParaRPr lang="en-US" altLang="ko-KR" sz="1400" dirty="0">
-                        <a:solidFill>
-                          <a:srgbClr val="FF0000"/>
-                        </a:solidFill>
-                      </a:endParaRPr>
+                      <a:endParaRPr lang="en-US" altLang="ko-KR" sz="1400" dirty="0"/>
                     </a:p>
                   </a:txBody>
                   <a:tcPr anchor="ctr"/>
@@ -5452,29 +5431,9 @@
                       </a:r>
                       <a:r>
                         <a:rPr lang="ko-KR" altLang="en-US" sz="1400" dirty="0"/>
-                        <a:t>열쇠 모델링 넣기 </a:t>
+                        <a:t>열쇠 모델링 넣기</a:t>
                       </a:r>
-                      <a:r>
-                        <a:rPr lang="en-US" altLang="ko-KR" sz="1400" dirty="0">
-                          <a:solidFill>
-                            <a:srgbClr val="FF0000"/>
-                          </a:solidFill>
-                        </a:rPr>
-                        <a:t>ok </a:t>
-                      </a:r>
-                      <a:r>
-                        <a:rPr lang="en-US" altLang="ko-KR" sz="1400" dirty="0" err="1">
-                          <a:solidFill>
-                            <a:srgbClr val="FF0000"/>
-                          </a:solidFill>
-                        </a:rPr>
-                        <a:t>ihr</a:t>
-                      </a:r>
-                      <a:endParaRPr lang="en-US" altLang="ko-KR" sz="1400" dirty="0">
-                        <a:solidFill>
-                          <a:srgbClr val="FF0000"/>
-                        </a:solidFill>
-                      </a:endParaRPr>
+                      <a:endParaRPr lang="en-US" altLang="ko-KR" sz="1400" dirty="0"/>
                     </a:p>
                   </a:txBody>
                   <a:tcPr anchor="ctr"/>
@@ -5596,29 +5555,9 @@
                       </a:r>
                       <a:r>
                         <a:rPr lang="ko-KR" altLang="en-US" sz="1400" dirty="0"/>
-                        <a:t>점프 </a:t>
+                        <a:t>점프</a:t>
                       </a:r>
-                      <a:r>
-                        <a:rPr lang="en-US" altLang="ko-KR" sz="1400" dirty="0">
-                          <a:solidFill>
-                            <a:srgbClr val="FF0000"/>
-                          </a:solidFill>
-                        </a:rPr>
-                        <a:t>ok </a:t>
-                      </a:r>
-                      <a:r>
-                        <a:rPr lang="en-US" altLang="ko-KR" sz="1400" dirty="0" err="1">
-                          <a:solidFill>
-                            <a:srgbClr val="FF0000"/>
-                          </a:solidFill>
-                        </a:rPr>
-                        <a:t>jyy</a:t>
-                      </a:r>
-                      <a:endParaRPr lang="en-US" altLang="ko-KR" sz="1400" dirty="0">
-                        <a:solidFill>
-                          <a:srgbClr val="FF0000"/>
-                        </a:solidFill>
-                      </a:endParaRPr>
+                      <a:endParaRPr lang="en-US" altLang="ko-KR" sz="1400" dirty="0"/>
                     </a:p>
                     <a:p>
                       <a:pPr marL="0" marR="0" lvl="0" indent="0" algn="l" defTabSz="1320759" rtl="0" eaLnBrk="1" fontAlgn="auto" latinLnBrk="1" hangingPunct="1">
@@ -5642,35 +5581,7 @@
                         <a:rPr lang="ko-KR" altLang="en-US" sz="1400" dirty="0"/>
                         <a:t>플레이어 바다에 떨어지면 게임 오버</a:t>
                       </a:r>
-                      <a:r>
-                        <a:rPr lang="ko-KR" altLang="en-US" sz="1400" dirty="0">
-                          <a:solidFill>
-                            <a:srgbClr val="FF0000"/>
-                          </a:solidFill>
-                        </a:rPr>
-                        <a:t> </a:t>
-                      </a:r>
-                      <a:r>
-                        <a:rPr lang="en-US" altLang="ko-KR" sz="1400" dirty="0">
-                          <a:solidFill>
-                            <a:srgbClr val="FF0000"/>
-                          </a:solidFill>
-                        </a:rPr>
-                        <a:t>ok </a:t>
-                      </a:r>
-                      <a:r>
-                        <a:rPr lang="en-US" altLang="ko-KR" sz="1400" dirty="0" err="1">
-                          <a:solidFill>
-                            <a:srgbClr val="FF0000"/>
-                          </a:solidFill>
-                        </a:rPr>
-                        <a:t>jyy</a:t>
-                      </a:r>
-                      <a:endParaRPr lang="en-US" altLang="ko-KR" sz="1400" dirty="0">
-                        <a:solidFill>
-                          <a:srgbClr val="FF0000"/>
-                        </a:solidFill>
-                      </a:endParaRPr>
+                      <a:endParaRPr lang="en-US" altLang="ko-KR" sz="1400" dirty="0"/>
                     </a:p>
                   </a:txBody>
                   <a:tcPr anchor="ctr"/>
@@ -5748,29 +5659,9 @@
                       </a:pPr>
                       <a:r>
                         <a:rPr lang="ko-KR" altLang="en-US" sz="1400" dirty="0"/>
-                        <a:t>플레이어 시야 변환  </a:t>
+                        <a:t>플레이어 시야 변환</a:t>
                       </a:r>
-                      <a:r>
-                        <a:rPr lang="en-US" altLang="ko-KR" sz="1400" dirty="0">
-                          <a:solidFill>
-                            <a:srgbClr val="FF0000"/>
-                          </a:solidFill>
-                        </a:rPr>
-                        <a:t>ok </a:t>
-                      </a:r>
-                      <a:r>
-                        <a:rPr lang="en-US" altLang="ko-KR" sz="1400" dirty="0" err="1">
-                          <a:solidFill>
-                            <a:srgbClr val="FF0000"/>
-                          </a:solidFill>
-                        </a:rPr>
-                        <a:t>jyy</a:t>
-                      </a:r>
-                      <a:endParaRPr lang="en-US" altLang="ko-KR" sz="1400" dirty="0">
-                        <a:solidFill>
-                          <a:srgbClr val="FF0000"/>
-                        </a:solidFill>
-                      </a:endParaRPr>
+                      <a:endParaRPr lang="en-US" altLang="ko-KR" sz="1400" dirty="0"/>
                     </a:p>
                   </a:txBody>
                   <a:tcPr anchor="ctr"/>
@@ -5884,50 +5775,30 @@
                       <a:pPr latinLnBrk="1"/>
                       <a:r>
                         <a:rPr lang="ko-KR" altLang="en-US" sz="1400" dirty="0"/>
-                        <a:t>플레이어 충돌체크 </a:t>
-                      </a:r>
-                      <a:r>
-                        <a:rPr lang="en-US" altLang="ko-KR" sz="1400" dirty="0"/>
-                        <a:t> </a:t>
-                      </a:r>
-                      <a:r>
-                        <a:rPr lang="en-US" altLang="ko-KR" sz="1400" dirty="0">
-                          <a:solidFill>
-                            <a:srgbClr val="FF0000"/>
-                          </a:solidFill>
-                        </a:rPr>
-                        <a:t>ok </a:t>
-                      </a:r>
-                      <a:r>
-                        <a:rPr lang="en-US" altLang="ko-KR" sz="1400" dirty="0" err="1">
-                          <a:solidFill>
-                            <a:srgbClr val="FF0000"/>
-                          </a:solidFill>
-                        </a:rPr>
-                        <a:t>jyy</a:t>
+                        <a:t>플레이어 충돌체크</a:t>
                       </a:r>
                       <a:endParaRPr lang="en-US" altLang="ko-KR" sz="1400" dirty="0"/>
                     </a:p>
                     <a:p>
                       <a:pPr latinLnBrk="1"/>
                       <a:r>
-                        <a:rPr lang="ko-KR" altLang="en-US" sz="1400" strike="sngStrike" dirty="0" err="1"/>
+                        <a:rPr lang="ko-KR" altLang="en-US" sz="1400" dirty="0" err="1"/>
                         <a:t>미니맵</a:t>
                       </a:r>
                       <a:r>
-                        <a:rPr lang="ko-KR" altLang="en-US" sz="1400" strike="sngStrike" dirty="0"/>
+                        <a:rPr lang="ko-KR" altLang="en-US" sz="1400" dirty="0"/>
                         <a:t> </a:t>
                       </a:r>
                       <a:r>
-                        <a:rPr lang="en-US" altLang="ko-KR" sz="1400" strike="sngStrike" dirty="0"/>
+                        <a:rPr lang="en-US" altLang="ko-KR" sz="1400" dirty="0"/>
                         <a:t>(top</a:t>
                       </a:r>
                       <a:r>
-                        <a:rPr lang="ko-KR" altLang="en-US" sz="1400" strike="sngStrike" dirty="0"/>
+                        <a:rPr lang="ko-KR" altLang="en-US" sz="1400" dirty="0"/>
                         <a:t> </a:t>
                       </a:r>
                       <a:r>
-                        <a:rPr lang="en-US" altLang="ko-KR" sz="1400" strike="sngStrike" dirty="0"/>
+                        <a:rPr lang="en-US" altLang="ko-KR" sz="1400" dirty="0"/>
                         <a:t>view)</a:t>
                       </a:r>
                     </a:p>
@@ -5973,110 +5844,18 @@
                     <a:p>
                       <a:pPr latinLnBrk="1"/>
                       <a:r>
-                        <a:rPr lang="ko-KR" altLang="en-US" sz="1400" strike="sngStrike" dirty="0"/>
+                        <a:rPr lang="ko-KR" altLang="en-US" sz="1400" dirty="0"/>
                         <a:t>발로 타일 부수기</a:t>
                       </a:r>
                       <a:r>
-                        <a:rPr lang="en-US" altLang="ko-KR" sz="1400" strike="sngStrike" dirty="0"/>
+                        <a:rPr lang="en-US" altLang="ko-KR" sz="1400" dirty="0"/>
                         <a:t>, </a:t>
                       </a:r>
                       <a:r>
-                        <a:rPr lang="ko-KR" altLang="en-US" sz="1400" strike="sngStrike" dirty="0"/>
+                        <a:rPr lang="ko-KR" altLang="en-US" sz="1400" dirty="0"/>
                         <a:t>부수는 효과</a:t>
                       </a:r>
-                      <a:endParaRPr lang="en-US" altLang="ko-KR" sz="1400" strike="sngStrike" dirty="0"/>
-                    </a:p>
-                    <a:p>
-                      <a:pPr marL="0" marR="0" lvl="0" indent="0" algn="l" defTabSz="1320759" rtl="0" eaLnBrk="1" fontAlgn="auto" latinLnBrk="1" hangingPunct="1">
-                        <a:lnSpc>
-                          <a:spcPct val="100000"/>
-                        </a:lnSpc>
-                        <a:spcBef>
-                          <a:spcPts val="0"/>
-                        </a:spcBef>
-                        <a:spcAft>
-                          <a:spcPts val="0"/>
-                        </a:spcAft>
-                        <a:buClrTx/>
-                        <a:buSzTx/>
-                        <a:buFontTx/>
-                        <a:buNone/>
-                        <a:tabLst/>
-                        <a:defRPr/>
-                      </a:pPr>
-                      <a:r>
-                        <a:rPr lang="ko-KR" altLang="en-US" sz="1400" strike="sngStrike" dirty="0"/>
-                        <a:t>밟힌 큐브 일정 시간 후에 떨어짐</a:t>
-                      </a:r>
-                      <a:r>
-                        <a:rPr lang="en-US" altLang="ko-KR" sz="1400" strike="sngStrike" dirty="0"/>
-                        <a:t>, </a:t>
-                      </a:r>
-                      <a:r>
-                        <a:rPr lang="ko-KR" altLang="en-US" sz="1400" strike="sngStrike" dirty="0"/>
-                        <a:t>바다로 바뀜</a:t>
-                      </a:r>
-                      <a:endParaRPr lang="en-US" altLang="ko-KR" sz="1400" strike="sngStrike" dirty="0"/>
-                    </a:p>
-                    <a:p>
-                      <a:pPr marL="0" marR="0" lvl="0" indent="0" algn="l" defTabSz="1320759" rtl="0" eaLnBrk="1" fontAlgn="auto" latinLnBrk="1" hangingPunct="1">
-                        <a:lnSpc>
-                          <a:spcPct val="100000"/>
-                        </a:lnSpc>
-                        <a:spcBef>
-                          <a:spcPts val="0"/>
-                        </a:spcBef>
-                        <a:spcAft>
-                          <a:spcPts val="0"/>
-                        </a:spcAft>
-                        <a:buClrTx/>
-                        <a:buSzTx/>
-                        <a:buFontTx/>
-                        <a:buNone/>
-                        <a:tabLst/>
-                        <a:defRPr/>
-                      </a:pPr>
-                      <a:r>
-                        <a:rPr lang="ko-KR" altLang="en-US" sz="1400" strike="noStrike" dirty="0"/>
-                        <a:t>밟힌 큐브 일정 시간 후에 부숴지고</a:t>
-                      </a:r>
-                      <a:r>
-                        <a:rPr lang="en-US" altLang="ko-KR" sz="1400" strike="noStrike" dirty="0"/>
-                        <a:t>, 1</a:t>
-                      </a:r>
-                      <a:r>
-                        <a:rPr lang="ko-KR" altLang="en-US" sz="1400" strike="noStrike" dirty="0"/>
-                        <a:t>층에서는 바다로 바뀜</a:t>
-                      </a:r>
-                      <a:r>
-                        <a:rPr lang="en-US" altLang="ko-KR" sz="1400" strike="noStrike" dirty="0"/>
-                        <a:t>, </a:t>
-                      </a:r>
-                      <a:r>
-                        <a:rPr lang="ko-KR" altLang="en-US" sz="1400" strike="noStrike" dirty="0"/>
-                        <a:t>부수는 효과 </a:t>
-                      </a:r>
-                      <a:r>
-                        <a:rPr lang="en-US" altLang="ko-KR" sz="1400" strike="noStrike" dirty="0">
-                          <a:solidFill>
-                            <a:srgbClr val="FF0000"/>
-                          </a:solidFill>
-                        </a:rPr>
-                        <a:t>ok </a:t>
-                      </a:r>
-                      <a:r>
-                        <a:rPr lang="en-US" altLang="ko-KR" sz="1400" strike="noStrike" dirty="0" err="1">
-                          <a:solidFill>
-                            <a:srgbClr val="FF0000"/>
-                          </a:solidFill>
-                        </a:rPr>
-                        <a:t>jyy</a:t>
-                      </a:r>
-                      <a:endParaRPr lang="en-US" altLang="ko-KR" sz="1400" strike="noStrike" dirty="0">
-                        <a:solidFill>
-                          <a:srgbClr val="FF0000"/>
-                        </a:solidFill>
-                      </a:endParaRPr>
+                      <a:endParaRPr lang="en-US" altLang="ko-KR" sz="1400" dirty="0"/>
                     </a:p>
                     <a:p>
                       <a:pPr marL="0" marR="0" lvl="0" indent="0" algn="l" defTabSz="1320759" rtl="0" eaLnBrk="1" fontAlgn="auto" latinLnBrk="1" hangingPunct="1">
@@ -6098,23 +5877,39 @@
                       </a:pPr>
                       <a:r>
                         <a:rPr lang="ko-KR" altLang="en-US" sz="1400" dirty="0"/>
-                        <a:t>안개 효과 </a:t>
+                        <a:t>밟힌 큐브 일정 시간 후에 떨어짐</a:t>
                       </a:r>
                       <a:r>
-                        <a:rPr lang="en-US" altLang="ko-KR" sz="1400" dirty="0">
-                          <a:solidFill>
-                            <a:srgbClr val="FF0000"/>
-                          </a:solidFill>
-                        </a:rPr>
-                        <a:t>ok </a:t>
+                        <a:rPr lang="en-US" altLang="ko-KR" sz="1400" dirty="0"/>
+                        <a:t>, </a:t>
                       </a:r>
                       <a:r>
-                        <a:rPr lang="en-US" altLang="ko-KR" sz="1400" dirty="0" err="1">
-                          <a:solidFill>
-                            <a:srgbClr val="FF0000"/>
-                          </a:solidFill>
-                        </a:rPr>
-                        <a:t>ihr</a:t>
+                        <a:rPr lang="ko-KR" altLang="en-US" sz="1400" dirty="0"/>
+                        <a:t>바다로 바뀜</a:t>
+                      </a:r>
+                      <a:endParaRPr lang="en-US" altLang="ko-KR" sz="1400" dirty="0"/>
+                    </a:p>
+                    <a:p>
+                      <a:pPr marL="0" marR="0" lvl="0" indent="0" algn="l" defTabSz="1320759" rtl="0" eaLnBrk="1" fontAlgn="auto" latinLnBrk="1" hangingPunct="1">
+                        <a:lnSpc>
+                          <a:spcPct val="100000"/>
+                        </a:lnSpc>
+                        <a:spcBef>
+                          <a:spcPts val="0"/>
+                        </a:spcBef>
+                        <a:spcAft>
+                          <a:spcPts val="0"/>
+                        </a:spcAft>
+                        <a:buClrTx/>
+                        <a:buSzTx/>
+                        <a:buFontTx/>
+                        <a:buNone/>
+                        <a:tabLst/>
+                        <a:defRPr/>
+                      </a:pPr>
+                      <a:r>
+                        <a:rPr lang="ko-KR" altLang="en-US" sz="1400" dirty="0"/>
+                        <a:t>안개 효과</a:t>
                       </a:r>
                       <a:endParaRPr lang="en-US" altLang="ko-KR" sz="1400" dirty="0"/>
                     </a:p>
@@ -6221,67 +6016,15 @@
                       </a:r>
                       <a:r>
                         <a:rPr lang="ko-KR" altLang="en-US" sz="1400" dirty="0"/>
-                        <a:t>열쇠 모두 얻으면 게임 클리어 </a:t>
+                        <a:t>열쇠 모두 얻으면 게임 클리어</a:t>
                       </a:r>
-                      <a:r>
-                        <a:rPr lang="en-US" altLang="ko-KR" sz="1400" dirty="0">
-                          <a:solidFill>
-                            <a:srgbClr val="FF0000"/>
-                          </a:solidFill>
-                        </a:rPr>
-                        <a:t>ok </a:t>
-                      </a:r>
-                      <a:r>
-                        <a:rPr lang="en-US" altLang="ko-KR" sz="1400" dirty="0" err="1">
-                          <a:solidFill>
-                            <a:srgbClr val="FF0000"/>
-                          </a:solidFill>
-                        </a:rPr>
-                        <a:t>ihr</a:t>
-                      </a:r>
-                      <a:r>
-                        <a:rPr lang="en-US" altLang="ko-KR" sz="1400" dirty="0">
-                          <a:solidFill>
-                            <a:srgbClr val="FF0000"/>
-                          </a:solidFill>
-                        </a:rPr>
-                        <a:t>, </a:t>
-                      </a:r>
-                      <a:r>
-                        <a:rPr lang="en-US" altLang="ko-KR" sz="1400" dirty="0" err="1">
-                          <a:solidFill>
-                            <a:srgbClr val="FF0000"/>
-                          </a:solidFill>
-                        </a:rPr>
-                        <a:t>jyy</a:t>
-                      </a:r>
-                      <a:endParaRPr lang="en-US" altLang="ko-KR" sz="1400" dirty="0">
-                        <a:solidFill>
-                          <a:srgbClr val="FF0000"/>
-                        </a:solidFill>
-                      </a:endParaRPr>
+                      <a:endParaRPr lang="en-US" altLang="ko-KR" sz="1400" dirty="0"/>
                     </a:p>
                     <a:p>
                       <a:pPr latinLnBrk="1"/>
                       <a:r>
                         <a:rPr lang="ko-KR" altLang="en-US" sz="1400" dirty="0"/>
-                        <a:t>열쇠 얻은 위치의 열쇠 큐브 색 바꿈 </a:t>
-                      </a:r>
-                      <a:r>
-                        <a:rPr lang="en-US" altLang="ko-KR" sz="1400" dirty="0">
-                          <a:solidFill>
-                            <a:srgbClr val="FF0000"/>
-                          </a:solidFill>
-                        </a:rPr>
-                        <a:t>ok </a:t>
-                      </a:r>
-                      <a:r>
-                        <a:rPr lang="en-US" altLang="ko-KR" sz="1400" dirty="0" err="1">
-                          <a:solidFill>
-                            <a:srgbClr val="FF0000"/>
-                          </a:solidFill>
-                        </a:rPr>
-                        <a:t>jyy</a:t>
+                        <a:t>열쇠 얻은 위치의 열쇠 큐브 색 바꿈</a:t>
                       </a:r>
                       <a:endParaRPr lang="en-US" altLang="ko-KR" sz="1400" dirty="0"/>
                     </a:p>
@@ -6328,29 +6071,9 @@
                       <a:pPr latinLnBrk="1"/>
                       <a:r>
                         <a:rPr lang="ko-KR" altLang="en-US" sz="1400" dirty="0"/>
-                        <a:t>무적 모드 만들기 </a:t>
+                        <a:t>무적 모드 만들기</a:t>
                       </a:r>
-                      <a:r>
-                        <a:rPr lang="en-US" altLang="ko-KR" sz="1400" dirty="0">
-                          <a:solidFill>
-                            <a:srgbClr val="FF0000"/>
-                          </a:solidFill>
-                        </a:rPr>
-                        <a:t>ok </a:t>
-                      </a:r>
-                      <a:r>
-                        <a:rPr lang="en-US" altLang="ko-KR" sz="1400" dirty="0" err="1">
-                          <a:solidFill>
-                            <a:srgbClr val="FF0000"/>
-                          </a:solidFill>
-                        </a:rPr>
-                        <a:t>jyy</a:t>
-                      </a:r>
-                      <a:endParaRPr lang="en-US" altLang="ko-KR" sz="1400" dirty="0">
-                        <a:solidFill>
-                          <a:srgbClr val="FF0000"/>
-                        </a:solidFill>
-                      </a:endParaRPr>
+                      <a:endParaRPr lang="en-US" altLang="ko-KR" sz="1400" dirty="0"/>
                     </a:p>
                     <a:p>
                       <a:pPr latinLnBrk="1"/>
@@ -6364,34 +6087,14 @@
                       </a:r>
                       <a:r>
                         <a:rPr lang="ko-KR" altLang="en-US" sz="1400" dirty="0"/>
-                        <a:t>효과음 </a:t>
+                        <a:t>효과음</a:t>
                       </a:r>
-                      <a:r>
-                        <a:rPr lang="en-US" altLang="ko-KR" sz="1400" dirty="0">
-                          <a:solidFill>
-                            <a:srgbClr val="FF0000"/>
-                          </a:solidFill>
-                        </a:rPr>
-                        <a:t>ok </a:t>
-                      </a:r>
-                      <a:r>
-                        <a:rPr lang="en-US" altLang="ko-KR" sz="1400" dirty="0" err="1">
-                          <a:solidFill>
-                            <a:srgbClr val="FF0000"/>
-                          </a:solidFill>
-                        </a:rPr>
-                        <a:t>jyy</a:t>
-                      </a:r>
-                      <a:endParaRPr lang="en-US" altLang="ko-KR" sz="1400" dirty="0">
-                        <a:solidFill>
-                          <a:srgbClr val="FF0000"/>
-                        </a:solidFill>
-                      </a:endParaRPr>
+                      <a:endParaRPr lang="en-US" altLang="ko-KR" sz="1400" dirty="0"/>
                     </a:p>
                     <a:p>
                       <a:pPr latinLnBrk="1"/>
                       <a:r>
-                        <a:rPr lang="ko-KR" altLang="en-US" sz="1400" strike="sngStrike" dirty="0"/>
+                        <a:rPr lang="ko-KR" altLang="en-US" sz="1400" dirty="0"/>
                         <a:t>열쇠 획득 효과</a:t>
                       </a:r>
                     </a:p>
@@ -6426,340 +6129,6 @@
     <p:extLst>
       <p:ext uri="{BB962C8B-B14F-4D97-AF65-F5344CB8AC3E}">
         <p14:creationId xmlns:p14="http://schemas.microsoft.com/office/powerpoint/2010/main" val="2151815608"/>
-      </p:ext>
-    </p:extLst>
-  </p:cSld>
-  <p:clrMapOvr>
-    <a:masterClrMapping/>
-  </p:clrMapOvr>
-</p:sld>
-</file>
-
-<file path=ppt/slides/slide6.xml><?xml version="1.0" encoding="utf-8"?>
-<p:sld xmlns:a="http://schemas.openxmlformats.org/drawingml/2006/main" xmlns:r="http://schemas.openxmlformats.org/officeDocument/2006/relationships" xmlns:p="http://schemas.openxmlformats.org/presentationml/2006/main">
-  <p:cSld>
-    <p:spTree>
-      <p:nvGrpSpPr>
-        <p:cNvPr id="1" name=""/>
-        <p:cNvGrpSpPr/>
-        <p:nvPr/>
-      </p:nvGrpSpPr>
-      <p:grpSpPr>
-        <a:xfrm>
-          <a:off x="0" y="0"/>
-          <a:ext cx="0" cy="0"/>
-          <a:chOff x="0" y="0"/>
-          <a:chExt cx="0" cy="0"/>
-        </a:xfrm>
-      </p:grpSpPr>
-      <p:sp>
-        <p:nvSpPr>
-          <p:cNvPr id="4" name="TextBox 3">
-            <a:extLst>
-              <a:ext uri="{FF2B5EF4-FFF2-40B4-BE49-F238E27FC236}">
-                <a16:creationId xmlns:a16="http://schemas.microsoft.com/office/drawing/2014/main" id="{1BC80E78-94D0-474B-8BFE-AF188B473014}"/>
-              </a:ext>
-            </a:extLst>
-          </p:cNvPr>
-          <p:cNvSpPr txBox="1"/>
-          <p:nvPr/>
-        </p:nvSpPr>
-        <p:spPr>
-          <a:xfrm>
-            <a:off x="558800" y="647700"/>
-            <a:ext cx="6019800" cy="3693319"/>
-          </a:xfrm>
-          <a:prstGeom prst="rect">
-            <a:avLst/>
-          </a:prstGeom>
-          <a:noFill/>
-        </p:spPr>
-        <p:txBody>
-          <a:bodyPr wrap="square" rtlCol="0">
-            <a:spAutoFit/>
-          </a:bodyPr>
-          <a:lstStyle/>
-          <a:p>
-            <a:r>
-              <a:rPr lang="ko-KR" altLang="en-US" dirty="0"/>
-              <a:t>추가할 거</a:t>
-            </a:r>
-            <a:endParaRPr lang="en-US" altLang="ko-KR" dirty="0"/>
-          </a:p>
-          <a:p>
-            <a:endParaRPr lang="ko-KR" altLang="en-US" dirty="0"/>
-          </a:p>
-          <a:p>
-            <a:r>
-              <a:rPr lang="ko-KR" altLang="en-US" dirty="0" err="1"/>
-              <a:t>스카이박스</a:t>
-            </a:r>
-            <a:r>
-              <a:rPr lang="ko-KR" altLang="en-US" dirty="0"/>
-              <a:t> </a:t>
-            </a:r>
-            <a:r>
-              <a:rPr lang="en-US" altLang="ko-KR" dirty="0">
-                <a:solidFill>
-                  <a:srgbClr val="FF0000"/>
-                </a:solidFill>
-              </a:rPr>
-              <a:t>ok </a:t>
-            </a:r>
-            <a:r>
-              <a:rPr lang="en-US" altLang="ko-KR" dirty="0" err="1">
-                <a:solidFill>
-                  <a:srgbClr val="FF0000"/>
-                </a:solidFill>
-              </a:rPr>
-              <a:t>ihr</a:t>
-            </a:r>
-            <a:endParaRPr lang="en-US" altLang="ko-KR" dirty="0">
-              <a:solidFill>
-                <a:srgbClr val="FF0000"/>
-              </a:solidFill>
-            </a:endParaRPr>
-          </a:p>
-          <a:p>
-            <a:r>
-              <a:rPr lang="ko-KR" altLang="en-US" dirty="0"/>
-              <a:t>조명 </a:t>
-            </a:r>
-            <a:r>
-              <a:rPr lang="en-US" altLang="ko-KR" dirty="0"/>
-              <a:t>- </a:t>
-            </a:r>
-            <a:r>
-              <a:rPr lang="ko-KR" altLang="en-US" dirty="0"/>
-              <a:t>태양</a:t>
-            </a:r>
-            <a:r>
-              <a:rPr lang="en-US" altLang="ko-KR" dirty="0"/>
-              <a:t>(</a:t>
-            </a:r>
-            <a:r>
-              <a:rPr lang="ko-KR" altLang="en-US" dirty="0"/>
-              <a:t>달</a:t>
-            </a:r>
-            <a:r>
-              <a:rPr lang="en-US" altLang="ko-KR" dirty="0"/>
-              <a:t>), </a:t>
-            </a:r>
-            <a:r>
-              <a:rPr lang="ko-KR" altLang="en-US" dirty="0"/>
-              <a:t>열쇠 조명 </a:t>
-            </a:r>
-            <a:r>
-              <a:rPr lang="en-US" altLang="ko-KR" dirty="0">
-                <a:solidFill>
-                  <a:srgbClr val="FF0000"/>
-                </a:solidFill>
-              </a:rPr>
-              <a:t>ok </a:t>
-            </a:r>
-            <a:r>
-              <a:rPr lang="en-US" altLang="ko-KR" dirty="0" err="1">
-                <a:solidFill>
-                  <a:srgbClr val="FF0000"/>
-                </a:solidFill>
-              </a:rPr>
-              <a:t>ihr</a:t>
-            </a:r>
-            <a:endParaRPr lang="ko-KR" altLang="en-US" dirty="0">
-              <a:solidFill>
-                <a:srgbClr val="FF0000"/>
-              </a:solidFill>
-            </a:endParaRPr>
-          </a:p>
-          <a:p>
-            <a:endParaRPr lang="ko-KR" altLang="en-US" dirty="0"/>
-          </a:p>
-          <a:p>
-            <a:r>
-              <a:rPr lang="ko-KR" altLang="en-US" dirty="0"/>
-              <a:t>플레이어 이동은 </a:t>
-            </a:r>
-            <a:r>
-              <a:rPr lang="en-US" altLang="ko-KR" dirty="0"/>
-              <a:t>1</a:t>
-            </a:r>
-            <a:r>
-              <a:rPr lang="ko-KR" altLang="en-US" dirty="0"/>
-              <a:t>인칭에서만 가능 </a:t>
-            </a:r>
-            <a:r>
-              <a:rPr lang="en-US" altLang="ko-KR" dirty="0">
-                <a:solidFill>
-                  <a:srgbClr val="FF0000"/>
-                </a:solidFill>
-              </a:rPr>
-              <a:t>ok </a:t>
-            </a:r>
-            <a:r>
-              <a:rPr lang="en-US" altLang="ko-KR" dirty="0" err="1">
-                <a:solidFill>
-                  <a:srgbClr val="FF0000"/>
-                </a:solidFill>
-              </a:rPr>
-              <a:t>jyy</a:t>
-            </a:r>
-            <a:endParaRPr lang="en-US" altLang="ko-KR" dirty="0">
-              <a:solidFill>
-                <a:srgbClr val="FF0000"/>
-              </a:solidFill>
-            </a:endParaRPr>
-          </a:p>
-          <a:p>
-            <a:r>
-              <a:rPr lang="ko-KR" altLang="en-US" dirty="0"/>
-              <a:t>열쇠 위치 </a:t>
-            </a:r>
-            <a:r>
-              <a:rPr lang="en-US" altLang="ko-KR" dirty="0"/>
-              <a:t>2</a:t>
-            </a:r>
-            <a:r>
-              <a:rPr lang="ko-KR" altLang="en-US" dirty="0"/>
-              <a:t>층</a:t>
-            </a:r>
-            <a:r>
-              <a:rPr lang="en-US" altLang="ko-KR" dirty="0"/>
-              <a:t>, 3</a:t>
-            </a:r>
-            <a:r>
-              <a:rPr lang="ko-KR" altLang="en-US" dirty="0"/>
-              <a:t>층 </a:t>
-            </a:r>
-            <a:r>
-              <a:rPr lang="en-US" altLang="ko-KR" dirty="0">
-                <a:solidFill>
-                  <a:srgbClr val="FF0000"/>
-                </a:solidFill>
-              </a:rPr>
-              <a:t>ok </a:t>
-            </a:r>
-            <a:r>
-              <a:rPr lang="en-US" altLang="ko-KR" dirty="0" err="1">
-                <a:solidFill>
-                  <a:srgbClr val="FF0000"/>
-                </a:solidFill>
-              </a:rPr>
-              <a:t>jyy</a:t>
-            </a:r>
-            <a:endParaRPr lang="en-US" altLang="ko-KR" dirty="0">
-              <a:solidFill>
-                <a:srgbClr val="FF0000"/>
-              </a:solidFill>
-            </a:endParaRPr>
-          </a:p>
-          <a:p>
-            <a:endParaRPr lang="en-US" altLang="ko-KR" dirty="0"/>
-          </a:p>
-          <a:p>
-            <a:r>
-              <a:rPr lang="ko-KR" altLang="en-US" dirty="0"/>
-              <a:t>밤에는 별 애니 </a:t>
-            </a:r>
-            <a:r>
-              <a:rPr lang="en-US" altLang="ko-KR" dirty="0">
-                <a:solidFill>
-                  <a:srgbClr val="FF0000"/>
-                </a:solidFill>
-              </a:rPr>
-              <a:t>ok </a:t>
-            </a:r>
-            <a:r>
-              <a:rPr lang="en-US" altLang="ko-KR" dirty="0" err="1">
-                <a:solidFill>
-                  <a:srgbClr val="FF0000"/>
-                </a:solidFill>
-              </a:rPr>
-              <a:t>ihr</a:t>
-            </a:r>
-            <a:endParaRPr lang="en-US" altLang="ko-KR" dirty="0">
-              <a:solidFill>
-                <a:srgbClr val="FF0000"/>
-              </a:solidFill>
-            </a:endParaRPr>
-          </a:p>
-          <a:p>
-            <a:endParaRPr lang="en-US" altLang="ko-KR" dirty="0"/>
-          </a:p>
-          <a:p>
-            <a:r>
-              <a:rPr lang="ko-KR" altLang="en-US" dirty="0"/>
-              <a:t>엔딩 메시지박스</a:t>
-            </a:r>
-            <a:r>
-              <a:rPr lang="ko-KR" altLang="en-US" dirty="0">
-                <a:solidFill>
-                  <a:srgbClr val="FF0000"/>
-                </a:solidFill>
-              </a:rPr>
-              <a:t> </a:t>
-            </a:r>
-            <a:r>
-              <a:rPr lang="en-US" altLang="ko-KR" dirty="0">
-                <a:solidFill>
-                  <a:srgbClr val="FF0000"/>
-                </a:solidFill>
-              </a:rPr>
-              <a:t>ok </a:t>
-            </a:r>
-            <a:r>
-              <a:rPr lang="en-US" altLang="ko-KR" dirty="0" err="1">
-                <a:solidFill>
-                  <a:srgbClr val="FF0000"/>
-                </a:solidFill>
-              </a:rPr>
-              <a:t>jyy</a:t>
-            </a:r>
-            <a:endParaRPr lang="en-US" altLang="ko-KR" dirty="0">
-              <a:solidFill>
-                <a:srgbClr val="FF0000"/>
-              </a:solidFill>
-            </a:endParaRPr>
-          </a:p>
-          <a:p>
-            <a:endParaRPr lang="en-US" altLang="ko-KR" dirty="0">
-              <a:solidFill>
-                <a:srgbClr val="FF0000"/>
-              </a:solidFill>
-            </a:endParaRPr>
-          </a:p>
-          <a:p>
-            <a:r>
-              <a:rPr lang="ko-KR" altLang="en-US" dirty="0"/>
-              <a:t>맵 밖으로 떨어져도 사망 </a:t>
-            </a:r>
-            <a:r>
-              <a:rPr lang="en-US" altLang="ko-KR" dirty="0">
-                <a:solidFill>
-                  <a:srgbClr val="FF0000"/>
-                </a:solidFill>
-              </a:rPr>
-              <a:t>ok </a:t>
-            </a:r>
-            <a:r>
-              <a:rPr lang="en-US" altLang="ko-KR" dirty="0" err="1">
-                <a:solidFill>
-                  <a:srgbClr val="FF0000"/>
-                </a:solidFill>
-              </a:rPr>
-              <a:t>jyy</a:t>
-            </a:r>
-            <a:endParaRPr lang="ko-KR" altLang="en-US" dirty="0">
-              <a:solidFill>
-                <a:srgbClr val="FF0000"/>
-              </a:solidFill>
-            </a:endParaRPr>
-          </a:p>
-        </p:txBody>
-      </p:sp>
-    </p:spTree>
-    <p:extLst>
-      <p:ext uri="{BB962C8B-B14F-4D97-AF65-F5344CB8AC3E}">
-        <p14:creationId xmlns:p14="http://schemas.microsoft.com/office/powerpoint/2010/main" val="2348558560"/>
       </p:ext>
     </p:extLst>
   </p:cSld>
